--- a/ppt 16-9/0866.有一妇人名叫马.pptx
+++ b/ppt 16-9/0866.有一妇人名叫马.pptx
@@ -129,7 +129,7 @@
           <p:cNvPr id="2" name="标题 1">
             <a:extLst>
               <a:ext uri="{FF2B5EF4-FFF2-40B4-BE49-F238E27FC236}">
-                <a16:creationId xmlns:a16="http://schemas.microsoft.com/office/drawing/2014/main" id="{5E084092-562A-BF68-D894-E0E742D3D261}"/>
+                <a16:creationId xmlns:a16="http://schemas.microsoft.com/office/drawing/2014/main" id="{B527B257-E9A9-04B4-24CE-05614AA60ED5}"/>
               </a:ext>
             </a:extLst>
           </p:cNvPr>
@@ -166,7 +166,7 @@
           <p:cNvPr id="3" name="副标题 2">
             <a:extLst>
               <a:ext uri="{FF2B5EF4-FFF2-40B4-BE49-F238E27FC236}">
-                <a16:creationId xmlns:a16="http://schemas.microsoft.com/office/drawing/2014/main" id="{E215C5E2-20A0-9547-393E-0F11DA25B9F2}"/>
+                <a16:creationId xmlns:a16="http://schemas.microsoft.com/office/drawing/2014/main" id="{8A46CC98-4A67-7CA1-7021-FB0400D27797}"/>
               </a:ext>
             </a:extLst>
           </p:cNvPr>
@@ -236,7 +236,7 @@
           <p:cNvPr id="4" name="日期占位符 3">
             <a:extLst>
               <a:ext uri="{FF2B5EF4-FFF2-40B4-BE49-F238E27FC236}">
-                <a16:creationId xmlns:a16="http://schemas.microsoft.com/office/drawing/2014/main" id="{203D81DC-3761-322E-7003-93AB9D812363}"/>
+                <a16:creationId xmlns:a16="http://schemas.microsoft.com/office/drawing/2014/main" id="{BB39B7C2-A595-F1B3-4F49-EB040EF50FC2}"/>
               </a:ext>
             </a:extLst>
           </p:cNvPr>
@@ -252,7 +252,7 @@
           <a:bodyPr/>
           <a:lstStyle/>
           <a:p>
-            <a:fld id="{7232493E-2A5E-4590-A2A2-C338E01F8C80}" type="datetimeFigureOut">
+            <a:fld id="{F652B324-AF8D-4770-9AA7-0C5BE7C4843A}" type="datetimeFigureOut">
               <a:rPr lang="zh-CN" altLang="en-US" smtClean="0"/>
               <a:t>2024/3/10</a:t>
             </a:fld>
@@ -265,7 +265,7 @@
           <p:cNvPr id="5" name="页脚占位符 4">
             <a:extLst>
               <a:ext uri="{FF2B5EF4-FFF2-40B4-BE49-F238E27FC236}">
-                <a16:creationId xmlns:a16="http://schemas.microsoft.com/office/drawing/2014/main" id="{80FB731B-7587-48F8-826A-B31E4F6DF26E}"/>
+                <a16:creationId xmlns:a16="http://schemas.microsoft.com/office/drawing/2014/main" id="{DBD0BD66-ED6F-C2EF-FEDF-609904E84755}"/>
               </a:ext>
             </a:extLst>
           </p:cNvPr>
@@ -290,7 +290,7 @@
           <p:cNvPr id="6" name="灯片编号占位符 5">
             <a:extLst>
               <a:ext uri="{FF2B5EF4-FFF2-40B4-BE49-F238E27FC236}">
-                <a16:creationId xmlns:a16="http://schemas.microsoft.com/office/drawing/2014/main" id="{7CE90BF1-C4A1-EA88-F8E6-BC1FC8AB8CCE}"/>
+                <a16:creationId xmlns:a16="http://schemas.microsoft.com/office/drawing/2014/main" id="{B6333E31-8606-C416-24C7-891A4528AEBB}"/>
               </a:ext>
             </a:extLst>
           </p:cNvPr>
@@ -306,7 +306,7 @@
           <a:bodyPr/>
           <a:lstStyle/>
           <a:p>
-            <a:fld id="{DD0542A4-9237-41CE-9796-A2300F05D56E}" type="slidenum">
+            <a:fld id="{E5C522E4-B4A6-4357-BBA8-0DD2ED5ACDD6}" type="slidenum">
               <a:rPr lang="zh-CN" altLang="en-US" smtClean="0"/>
               <a:t>‹#›</a:t>
             </a:fld>
@@ -317,7 +317,7 @@
     </p:spTree>
     <p:extLst>
       <p:ext uri="{BB962C8B-B14F-4D97-AF65-F5344CB8AC3E}">
-        <p14:creationId xmlns:p14="http://schemas.microsoft.com/office/powerpoint/2010/main" val="377231881"/>
+        <p14:creationId xmlns:p14="http://schemas.microsoft.com/office/powerpoint/2010/main" val="505889912"/>
       </p:ext>
     </p:extLst>
   </p:cSld>
@@ -349,7 +349,7 @@
           <p:cNvPr id="2" name="标题 1">
             <a:extLst>
               <a:ext uri="{FF2B5EF4-FFF2-40B4-BE49-F238E27FC236}">
-                <a16:creationId xmlns:a16="http://schemas.microsoft.com/office/drawing/2014/main" id="{124D2A2C-291C-964E-70CE-50343341AE0D}"/>
+                <a16:creationId xmlns:a16="http://schemas.microsoft.com/office/drawing/2014/main" id="{5EA0C1C5-7034-F96C-94C8-8433E1E10C52}"/>
               </a:ext>
             </a:extLst>
           </p:cNvPr>
@@ -377,7 +377,7 @@
           <p:cNvPr id="3" name="竖排文字占位符 2">
             <a:extLst>
               <a:ext uri="{FF2B5EF4-FFF2-40B4-BE49-F238E27FC236}">
-                <a16:creationId xmlns:a16="http://schemas.microsoft.com/office/drawing/2014/main" id="{822F41C2-0B10-F974-6AEB-384BDC4ABD7C}"/>
+                <a16:creationId xmlns:a16="http://schemas.microsoft.com/office/drawing/2014/main" id="{C3316DDF-57D3-08D2-1158-7CBEB5A571A9}"/>
               </a:ext>
             </a:extLst>
           </p:cNvPr>
@@ -434,7 +434,7 @@
           <p:cNvPr id="4" name="日期占位符 3">
             <a:extLst>
               <a:ext uri="{FF2B5EF4-FFF2-40B4-BE49-F238E27FC236}">
-                <a16:creationId xmlns:a16="http://schemas.microsoft.com/office/drawing/2014/main" id="{F7C603F4-7AFB-8ABC-2FF5-6E74A4A1998B}"/>
+                <a16:creationId xmlns:a16="http://schemas.microsoft.com/office/drawing/2014/main" id="{A988FC20-7BDB-54FA-EDA1-DDC8462590FD}"/>
               </a:ext>
             </a:extLst>
           </p:cNvPr>
@@ -450,7 +450,7 @@
           <a:bodyPr/>
           <a:lstStyle/>
           <a:p>
-            <a:fld id="{7232493E-2A5E-4590-A2A2-C338E01F8C80}" type="datetimeFigureOut">
+            <a:fld id="{F652B324-AF8D-4770-9AA7-0C5BE7C4843A}" type="datetimeFigureOut">
               <a:rPr lang="zh-CN" altLang="en-US" smtClean="0"/>
               <a:t>2024/3/10</a:t>
             </a:fld>
@@ -463,7 +463,7 @@
           <p:cNvPr id="5" name="页脚占位符 4">
             <a:extLst>
               <a:ext uri="{FF2B5EF4-FFF2-40B4-BE49-F238E27FC236}">
-                <a16:creationId xmlns:a16="http://schemas.microsoft.com/office/drawing/2014/main" id="{CD974F62-92D9-6FB3-4A76-3AB4A2F2EC3D}"/>
+                <a16:creationId xmlns:a16="http://schemas.microsoft.com/office/drawing/2014/main" id="{D08CD76B-8B78-A6FA-E4DF-C640C6C81553}"/>
               </a:ext>
             </a:extLst>
           </p:cNvPr>
@@ -488,7 +488,7 @@
           <p:cNvPr id="6" name="灯片编号占位符 5">
             <a:extLst>
               <a:ext uri="{FF2B5EF4-FFF2-40B4-BE49-F238E27FC236}">
-                <a16:creationId xmlns:a16="http://schemas.microsoft.com/office/drawing/2014/main" id="{E4248CD9-719C-34FD-A11F-18F8F858FDD6}"/>
+                <a16:creationId xmlns:a16="http://schemas.microsoft.com/office/drawing/2014/main" id="{F41D9ED9-476F-0835-C9C5-920E3456EA0D}"/>
               </a:ext>
             </a:extLst>
           </p:cNvPr>
@@ -504,7 +504,7 @@
           <a:bodyPr/>
           <a:lstStyle/>
           <a:p>
-            <a:fld id="{DD0542A4-9237-41CE-9796-A2300F05D56E}" type="slidenum">
+            <a:fld id="{E5C522E4-B4A6-4357-BBA8-0DD2ED5ACDD6}" type="slidenum">
               <a:rPr lang="zh-CN" altLang="en-US" smtClean="0"/>
               <a:t>‹#›</a:t>
             </a:fld>
@@ -515,7 +515,7 @@
     </p:spTree>
     <p:extLst>
       <p:ext uri="{BB962C8B-B14F-4D97-AF65-F5344CB8AC3E}">
-        <p14:creationId xmlns:p14="http://schemas.microsoft.com/office/powerpoint/2010/main" val="2428035268"/>
+        <p14:creationId xmlns:p14="http://schemas.microsoft.com/office/powerpoint/2010/main" val="3916190368"/>
       </p:ext>
     </p:extLst>
   </p:cSld>
@@ -547,7 +547,7 @@
           <p:cNvPr id="2" name="竖排标题 1">
             <a:extLst>
               <a:ext uri="{FF2B5EF4-FFF2-40B4-BE49-F238E27FC236}">
-                <a16:creationId xmlns:a16="http://schemas.microsoft.com/office/drawing/2014/main" id="{2F3BCD1A-A74A-1878-177D-8BD8F30E83BE}"/>
+                <a16:creationId xmlns:a16="http://schemas.microsoft.com/office/drawing/2014/main" id="{F9455D30-0B50-7800-740C-1EFBE549A47C}"/>
               </a:ext>
             </a:extLst>
           </p:cNvPr>
@@ -580,7 +580,7 @@
           <p:cNvPr id="3" name="竖排文字占位符 2">
             <a:extLst>
               <a:ext uri="{FF2B5EF4-FFF2-40B4-BE49-F238E27FC236}">
-                <a16:creationId xmlns:a16="http://schemas.microsoft.com/office/drawing/2014/main" id="{4D11BE93-8AF5-1278-EA03-FFAAC3D72D3B}"/>
+                <a16:creationId xmlns:a16="http://schemas.microsoft.com/office/drawing/2014/main" id="{B4B86BE6-9E05-85A2-7F96-8551F535E705}"/>
               </a:ext>
             </a:extLst>
           </p:cNvPr>
@@ -642,7 +642,7 @@
           <p:cNvPr id="4" name="日期占位符 3">
             <a:extLst>
               <a:ext uri="{FF2B5EF4-FFF2-40B4-BE49-F238E27FC236}">
-                <a16:creationId xmlns:a16="http://schemas.microsoft.com/office/drawing/2014/main" id="{95285DB2-7A52-2395-F53C-91DDF17151E9}"/>
+                <a16:creationId xmlns:a16="http://schemas.microsoft.com/office/drawing/2014/main" id="{396D743D-5FD1-0F68-5ADA-F41E49CA6DA0}"/>
               </a:ext>
             </a:extLst>
           </p:cNvPr>
@@ -658,7 +658,7 @@
           <a:bodyPr/>
           <a:lstStyle/>
           <a:p>
-            <a:fld id="{7232493E-2A5E-4590-A2A2-C338E01F8C80}" type="datetimeFigureOut">
+            <a:fld id="{F652B324-AF8D-4770-9AA7-0C5BE7C4843A}" type="datetimeFigureOut">
               <a:rPr lang="zh-CN" altLang="en-US" smtClean="0"/>
               <a:t>2024/3/10</a:t>
             </a:fld>
@@ -671,7 +671,7 @@
           <p:cNvPr id="5" name="页脚占位符 4">
             <a:extLst>
               <a:ext uri="{FF2B5EF4-FFF2-40B4-BE49-F238E27FC236}">
-                <a16:creationId xmlns:a16="http://schemas.microsoft.com/office/drawing/2014/main" id="{943736C5-405B-3151-7844-FC974AF04584}"/>
+                <a16:creationId xmlns:a16="http://schemas.microsoft.com/office/drawing/2014/main" id="{5B89AED9-161D-49F9-6496-7DA1B3539C79}"/>
               </a:ext>
             </a:extLst>
           </p:cNvPr>
@@ -696,7 +696,7 @@
           <p:cNvPr id="6" name="灯片编号占位符 5">
             <a:extLst>
               <a:ext uri="{FF2B5EF4-FFF2-40B4-BE49-F238E27FC236}">
-                <a16:creationId xmlns:a16="http://schemas.microsoft.com/office/drawing/2014/main" id="{8A5B4EAB-68AC-EF76-3D14-018491082413}"/>
+                <a16:creationId xmlns:a16="http://schemas.microsoft.com/office/drawing/2014/main" id="{AE95B9E9-E09E-8438-A89A-F6F04476D75B}"/>
               </a:ext>
             </a:extLst>
           </p:cNvPr>
@@ -712,7 +712,7 @@
           <a:bodyPr/>
           <a:lstStyle/>
           <a:p>
-            <a:fld id="{DD0542A4-9237-41CE-9796-A2300F05D56E}" type="slidenum">
+            <a:fld id="{E5C522E4-B4A6-4357-BBA8-0DD2ED5ACDD6}" type="slidenum">
               <a:rPr lang="zh-CN" altLang="en-US" smtClean="0"/>
               <a:t>‹#›</a:t>
             </a:fld>
@@ -723,7 +723,7 @@
     </p:spTree>
     <p:extLst>
       <p:ext uri="{BB962C8B-B14F-4D97-AF65-F5344CB8AC3E}">
-        <p14:creationId xmlns:p14="http://schemas.microsoft.com/office/powerpoint/2010/main" val="1443628473"/>
+        <p14:creationId xmlns:p14="http://schemas.microsoft.com/office/powerpoint/2010/main" val="3159626765"/>
       </p:ext>
     </p:extLst>
   </p:cSld>
@@ -755,7 +755,7 @@
           <p:cNvPr id="2" name="标题 1">
             <a:extLst>
               <a:ext uri="{FF2B5EF4-FFF2-40B4-BE49-F238E27FC236}">
-                <a16:creationId xmlns:a16="http://schemas.microsoft.com/office/drawing/2014/main" id="{4335A593-D778-E8F5-543E-2530F2483CF3}"/>
+                <a16:creationId xmlns:a16="http://schemas.microsoft.com/office/drawing/2014/main" id="{AA22CC7F-FDF4-6DF6-6059-89205DA13F4B}"/>
               </a:ext>
             </a:extLst>
           </p:cNvPr>
@@ -783,7 +783,7 @@
           <p:cNvPr id="3" name="内容占位符 2">
             <a:extLst>
               <a:ext uri="{FF2B5EF4-FFF2-40B4-BE49-F238E27FC236}">
-                <a16:creationId xmlns:a16="http://schemas.microsoft.com/office/drawing/2014/main" id="{202A76ED-30FE-9D83-5AAC-792B2A2E5845}"/>
+                <a16:creationId xmlns:a16="http://schemas.microsoft.com/office/drawing/2014/main" id="{8A57A588-A6CE-4AE7-9D02-2317FE835D35}"/>
               </a:ext>
             </a:extLst>
           </p:cNvPr>
@@ -840,7 +840,7 @@
           <p:cNvPr id="4" name="日期占位符 3">
             <a:extLst>
               <a:ext uri="{FF2B5EF4-FFF2-40B4-BE49-F238E27FC236}">
-                <a16:creationId xmlns:a16="http://schemas.microsoft.com/office/drawing/2014/main" id="{9608FB5F-39D5-43E2-FE29-2F0578A31803}"/>
+                <a16:creationId xmlns:a16="http://schemas.microsoft.com/office/drawing/2014/main" id="{33D48985-0ECB-C85A-9A02-81C1E661FCE4}"/>
               </a:ext>
             </a:extLst>
           </p:cNvPr>
@@ -856,7 +856,7 @@
           <a:bodyPr/>
           <a:lstStyle/>
           <a:p>
-            <a:fld id="{7232493E-2A5E-4590-A2A2-C338E01F8C80}" type="datetimeFigureOut">
+            <a:fld id="{F652B324-AF8D-4770-9AA7-0C5BE7C4843A}" type="datetimeFigureOut">
               <a:rPr lang="zh-CN" altLang="en-US" smtClean="0"/>
               <a:t>2024/3/10</a:t>
             </a:fld>
@@ -869,7 +869,7 @@
           <p:cNvPr id="5" name="页脚占位符 4">
             <a:extLst>
               <a:ext uri="{FF2B5EF4-FFF2-40B4-BE49-F238E27FC236}">
-                <a16:creationId xmlns:a16="http://schemas.microsoft.com/office/drawing/2014/main" id="{C06728EE-2592-9CAF-02F7-348C5AB4A51A}"/>
+                <a16:creationId xmlns:a16="http://schemas.microsoft.com/office/drawing/2014/main" id="{AAECF917-C57A-7B3E-2B35-B8393910989C}"/>
               </a:ext>
             </a:extLst>
           </p:cNvPr>
@@ -894,7 +894,7 @@
           <p:cNvPr id="6" name="灯片编号占位符 5">
             <a:extLst>
               <a:ext uri="{FF2B5EF4-FFF2-40B4-BE49-F238E27FC236}">
-                <a16:creationId xmlns:a16="http://schemas.microsoft.com/office/drawing/2014/main" id="{7E3CFCAA-62C2-7D97-D647-0EB16BE73726}"/>
+                <a16:creationId xmlns:a16="http://schemas.microsoft.com/office/drawing/2014/main" id="{7544D521-6601-2644-F279-F1F98BAAA20E}"/>
               </a:ext>
             </a:extLst>
           </p:cNvPr>
@@ -910,7 +910,7 @@
           <a:bodyPr/>
           <a:lstStyle/>
           <a:p>
-            <a:fld id="{DD0542A4-9237-41CE-9796-A2300F05D56E}" type="slidenum">
+            <a:fld id="{E5C522E4-B4A6-4357-BBA8-0DD2ED5ACDD6}" type="slidenum">
               <a:rPr lang="zh-CN" altLang="en-US" smtClean="0"/>
               <a:t>‹#›</a:t>
             </a:fld>
@@ -921,7 +921,7 @@
     </p:spTree>
     <p:extLst>
       <p:ext uri="{BB962C8B-B14F-4D97-AF65-F5344CB8AC3E}">
-        <p14:creationId xmlns:p14="http://schemas.microsoft.com/office/powerpoint/2010/main" val="942157720"/>
+        <p14:creationId xmlns:p14="http://schemas.microsoft.com/office/powerpoint/2010/main" val="2244800156"/>
       </p:ext>
     </p:extLst>
   </p:cSld>
@@ -953,7 +953,7 @@
           <p:cNvPr id="2" name="标题 1">
             <a:extLst>
               <a:ext uri="{FF2B5EF4-FFF2-40B4-BE49-F238E27FC236}">
-                <a16:creationId xmlns:a16="http://schemas.microsoft.com/office/drawing/2014/main" id="{5BA8B538-F7CD-BB7C-C3E3-929FDCBDD3EF}"/>
+                <a16:creationId xmlns:a16="http://schemas.microsoft.com/office/drawing/2014/main" id="{5146CEF0-BE90-A403-4798-51A8742C8D6A}"/>
               </a:ext>
             </a:extLst>
           </p:cNvPr>
@@ -990,7 +990,7 @@
           <p:cNvPr id="3" name="文本占位符 2">
             <a:extLst>
               <a:ext uri="{FF2B5EF4-FFF2-40B4-BE49-F238E27FC236}">
-                <a16:creationId xmlns:a16="http://schemas.microsoft.com/office/drawing/2014/main" id="{A6A04376-AB4B-06A9-7CCA-8E9791EC961D}"/>
+                <a16:creationId xmlns:a16="http://schemas.microsoft.com/office/drawing/2014/main" id="{BC8AAECE-E66E-62EC-795C-DE9C071B6846}"/>
               </a:ext>
             </a:extLst>
           </p:cNvPr>
@@ -1115,7 +1115,7 @@
           <p:cNvPr id="4" name="日期占位符 3">
             <a:extLst>
               <a:ext uri="{FF2B5EF4-FFF2-40B4-BE49-F238E27FC236}">
-                <a16:creationId xmlns:a16="http://schemas.microsoft.com/office/drawing/2014/main" id="{A93096D5-0A86-9CA5-CA3B-BBFFB01ACB69}"/>
+                <a16:creationId xmlns:a16="http://schemas.microsoft.com/office/drawing/2014/main" id="{E8EC7B27-2B5A-3DFC-444A-5FA6BC42370A}"/>
               </a:ext>
             </a:extLst>
           </p:cNvPr>
@@ -1131,7 +1131,7 @@
           <a:bodyPr/>
           <a:lstStyle/>
           <a:p>
-            <a:fld id="{7232493E-2A5E-4590-A2A2-C338E01F8C80}" type="datetimeFigureOut">
+            <a:fld id="{F652B324-AF8D-4770-9AA7-0C5BE7C4843A}" type="datetimeFigureOut">
               <a:rPr lang="zh-CN" altLang="en-US" smtClean="0"/>
               <a:t>2024/3/10</a:t>
             </a:fld>
@@ -1144,7 +1144,7 @@
           <p:cNvPr id="5" name="页脚占位符 4">
             <a:extLst>
               <a:ext uri="{FF2B5EF4-FFF2-40B4-BE49-F238E27FC236}">
-                <a16:creationId xmlns:a16="http://schemas.microsoft.com/office/drawing/2014/main" id="{2C411059-58F2-536B-9EA4-3D63F0AA2001}"/>
+                <a16:creationId xmlns:a16="http://schemas.microsoft.com/office/drawing/2014/main" id="{5EF09683-B30F-E54B-BF4D-97DC1D4951DF}"/>
               </a:ext>
             </a:extLst>
           </p:cNvPr>
@@ -1169,7 +1169,7 @@
           <p:cNvPr id="6" name="灯片编号占位符 5">
             <a:extLst>
               <a:ext uri="{FF2B5EF4-FFF2-40B4-BE49-F238E27FC236}">
-                <a16:creationId xmlns:a16="http://schemas.microsoft.com/office/drawing/2014/main" id="{2FC1C316-D814-C7CD-E732-B6336B67DC2D}"/>
+                <a16:creationId xmlns:a16="http://schemas.microsoft.com/office/drawing/2014/main" id="{87D90065-402E-FF19-A498-B5355FBCA428}"/>
               </a:ext>
             </a:extLst>
           </p:cNvPr>
@@ -1185,7 +1185,7 @@
           <a:bodyPr/>
           <a:lstStyle/>
           <a:p>
-            <a:fld id="{DD0542A4-9237-41CE-9796-A2300F05D56E}" type="slidenum">
+            <a:fld id="{E5C522E4-B4A6-4357-BBA8-0DD2ED5ACDD6}" type="slidenum">
               <a:rPr lang="zh-CN" altLang="en-US" smtClean="0"/>
               <a:t>‹#›</a:t>
             </a:fld>
@@ -1196,7 +1196,7 @@
     </p:spTree>
     <p:extLst>
       <p:ext uri="{BB962C8B-B14F-4D97-AF65-F5344CB8AC3E}">
-        <p14:creationId xmlns:p14="http://schemas.microsoft.com/office/powerpoint/2010/main" val="2668928766"/>
+        <p14:creationId xmlns:p14="http://schemas.microsoft.com/office/powerpoint/2010/main" val="3672622527"/>
       </p:ext>
     </p:extLst>
   </p:cSld>
@@ -1228,7 +1228,7 @@
           <p:cNvPr id="2" name="标题 1">
             <a:extLst>
               <a:ext uri="{FF2B5EF4-FFF2-40B4-BE49-F238E27FC236}">
-                <a16:creationId xmlns:a16="http://schemas.microsoft.com/office/drawing/2014/main" id="{86655572-7227-D9DF-3F6A-1C88D4E27D1A}"/>
+                <a16:creationId xmlns:a16="http://schemas.microsoft.com/office/drawing/2014/main" id="{18748D11-5695-CA10-A920-1A65CAAE0B21}"/>
               </a:ext>
             </a:extLst>
           </p:cNvPr>
@@ -1256,7 +1256,7 @@
           <p:cNvPr id="3" name="内容占位符 2">
             <a:extLst>
               <a:ext uri="{FF2B5EF4-FFF2-40B4-BE49-F238E27FC236}">
-                <a16:creationId xmlns:a16="http://schemas.microsoft.com/office/drawing/2014/main" id="{74764025-36DD-C29A-8219-72B0AB4C61EE}"/>
+                <a16:creationId xmlns:a16="http://schemas.microsoft.com/office/drawing/2014/main" id="{F830BDB6-20A1-45A0-99EA-E5F721223AAA}"/>
               </a:ext>
             </a:extLst>
           </p:cNvPr>
@@ -1318,7 +1318,7 @@
           <p:cNvPr id="4" name="内容占位符 3">
             <a:extLst>
               <a:ext uri="{FF2B5EF4-FFF2-40B4-BE49-F238E27FC236}">
-                <a16:creationId xmlns:a16="http://schemas.microsoft.com/office/drawing/2014/main" id="{EEAB979E-F4A2-904E-AD8E-841ABABE0CBD}"/>
+                <a16:creationId xmlns:a16="http://schemas.microsoft.com/office/drawing/2014/main" id="{AA2D226D-5C8B-19FA-77EF-C137F2F58D39}"/>
               </a:ext>
             </a:extLst>
           </p:cNvPr>
@@ -1380,7 +1380,7 @@
           <p:cNvPr id="5" name="日期占位符 4">
             <a:extLst>
               <a:ext uri="{FF2B5EF4-FFF2-40B4-BE49-F238E27FC236}">
-                <a16:creationId xmlns:a16="http://schemas.microsoft.com/office/drawing/2014/main" id="{158542A1-ED21-F95B-CD78-2F663F3BAD81}"/>
+                <a16:creationId xmlns:a16="http://schemas.microsoft.com/office/drawing/2014/main" id="{CE74769D-3257-48A0-722A-5F606E60CCB3}"/>
               </a:ext>
             </a:extLst>
           </p:cNvPr>
@@ -1396,7 +1396,7 @@
           <a:bodyPr/>
           <a:lstStyle/>
           <a:p>
-            <a:fld id="{7232493E-2A5E-4590-A2A2-C338E01F8C80}" type="datetimeFigureOut">
+            <a:fld id="{F652B324-AF8D-4770-9AA7-0C5BE7C4843A}" type="datetimeFigureOut">
               <a:rPr lang="zh-CN" altLang="en-US" smtClean="0"/>
               <a:t>2024/3/10</a:t>
             </a:fld>
@@ -1409,7 +1409,7 @@
           <p:cNvPr id="6" name="页脚占位符 5">
             <a:extLst>
               <a:ext uri="{FF2B5EF4-FFF2-40B4-BE49-F238E27FC236}">
-                <a16:creationId xmlns:a16="http://schemas.microsoft.com/office/drawing/2014/main" id="{A2ADDAF1-3623-F77D-24A7-C6C14A968573}"/>
+                <a16:creationId xmlns:a16="http://schemas.microsoft.com/office/drawing/2014/main" id="{AC0B2264-59C0-723C-D148-337E31570484}"/>
               </a:ext>
             </a:extLst>
           </p:cNvPr>
@@ -1434,7 +1434,7 @@
           <p:cNvPr id="7" name="灯片编号占位符 6">
             <a:extLst>
               <a:ext uri="{FF2B5EF4-FFF2-40B4-BE49-F238E27FC236}">
-                <a16:creationId xmlns:a16="http://schemas.microsoft.com/office/drawing/2014/main" id="{3CAFE4A7-988A-1DF5-915C-1204A5171420}"/>
+                <a16:creationId xmlns:a16="http://schemas.microsoft.com/office/drawing/2014/main" id="{89E5C41F-BF0F-F5CD-187A-56FA46C64F4D}"/>
               </a:ext>
             </a:extLst>
           </p:cNvPr>
@@ -1450,7 +1450,7 @@
           <a:bodyPr/>
           <a:lstStyle/>
           <a:p>
-            <a:fld id="{DD0542A4-9237-41CE-9796-A2300F05D56E}" type="slidenum">
+            <a:fld id="{E5C522E4-B4A6-4357-BBA8-0DD2ED5ACDD6}" type="slidenum">
               <a:rPr lang="zh-CN" altLang="en-US" smtClean="0"/>
               <a:t>‹#›</a:t>
             </a:fld>
@@ -1461,7 +1461,7 @@
     </p:spTree>
     <p:extLst>
       <p:ext uri="{BB962C8B-B14F-4D97-AF65-F5344CB8AC3E}">
-        <p14:creationId xmlns:p14="http://schemas.microsoft.com/office/powerpoint/2010/main" val="275078637"/>
+        <p14:creationId xmlns:p14="http://schemas.microsoft.com/office/powerpoint/2010/main" val="1624087299"/>
       </p:ext>
     </p:extLst>
   </p:cSld>
@@ -1493,7 +1493,7 @@
           <p:cNvPr id="2" name="标题 1">
             <a:extLst>
               <a:ext uri="{FF2B5EF4-FFF2-40B4-BE49-F238E27FC236}">
-                <a16:creationId xmlns:a16="http://schemas.microsoft.com/office/drawing/2014/main" id="{6ED21DD2-212F-BF77-07D7-B40F1EE1CD39}"/>
+                <a16:creationId xmlns:a16="http://schemas.microsoft.com/office/drawing/2014/main" id="{B2E108D3-95E7-A4F5-E4F7-F8E339B0566E}"/>
               </a:ext>
             </a:extLst>
           </p:cNvPr>
@@ -1526,7 +1526,7 @@
           <p:cNvPr id="3" name="文本占位符 2">
             <a:extLst>
               <a:ext uri="{FF2B5EF4-FFF2-40B4-BE49-F238E27FC236}">
-                <a16:creationId xmlns:a16="http://schemas.microsoft.com/office/drawing/2014/main" id="{B7EB638C-99CD-D95C-66C5-95A3AD96E520}"/>
+                <a16:creationId xmlns:a16="http://schemas.microsoft.com/office/drawing/2014/main" id="{930DB594-17DF-DB1D-FC40-E99DB601CF1C}"/>
               </a:ext>
             </a:extLst>
           </p:cNvPr>
@@ -1597,7 +1597,7 @@
           <p:cNvPr id="4" name="内容占位符 3">
             <a:extLst>
               <a:ext uri="{FF2B5EF4-FFF2-40B4-BE49-F238E27FC236}">
-                <a16:creationId xmlns:a16="http://schemas.microsoft.com/office/drawing/2014/main" id="{0F4A4A6F-4CCA-3A25-9595-3B81B01148C2}"/>
+                <a16:creationId xmlns:a16="http://schemas.microsoft.com/office/drawing/2014/main" id="{7AD3BB1F-C688-4629-55D8-2E33E48D4E2C}"/>
               </a:ext>
             </a:extLst>
           </p:cNvPr>
@@ -1659,7 +1659,7 @@
           <p:cNvPr id="5" name="文本占位符 4">
             <a:extLst>
               <a:ext uri="{FF2B5EF4-FFF2-40B4-BE49-F238E27FC236}">
-                <a16:creationId xmlns:a16="http://schemas.microsoft.com/office/drawing/2014/main" id="{B3E52299-E96B-EF58-E559-42236C9A3B62}"/>
+                <a16:creationId xmlns:a16="http://schemas.microsoft.com/office/drawing/2014/main" id="{5DAF1ADA-63A0-4CBE-57FC-89A267E1F82F}"/>
               </a:ext>
             </a:extLst>
           </p:cNvPr>
@@ -1730,7 +1730,7 @@
           <p:cNvPr id="6" name="内容占位符 5">
             <a:extLst>
               <a:ext uri="{FF2B5EF4-FFF2-40B4-BE49-F238E27FC236}">
-                <a16:creationId xmlns:a16="http://schemas.microsoft.com/office/drawing/2014/main" id="{DB0F56AD-5E2F-0488-EF8A-10CD0AFCAFF5}"/>
+                <a16:creationId xmlns:a16="http://schemas.microsoft.com/office/drawing/2014/main" id="{79909DFF-6C31-EAB0-B095-13B8E956F865}"/>
               </a:ext>
             </a:extLst>
           </p:cNvPr>
@@ -1792,7 +1792,7 @@
           <p:cNvPr id="7" name="日期占位符 6">
             <a:extLst>
               <a:ext uri="{FF2B5EF4-FFF2-40B4-BE49-F238E27FC236}">
-                <a16:creationId xmlns:a16="http://schemas.microsoft.com/office/drawing/2014/main" id="{EB8F6EA1-4FBA-A287-2B7B-3C6DB602EFED}"/>
+                <a16:creationId xmlns:a16="http://schemas.microsoft.com/office/drawing/2014/main" id="{727B9AE5-21FE-2D65-4501-EC4F4CA69965}"/>
               </a:ext>
             </a:extLst>
           </p:cNvPr>
@@ -1808,7 +1808,7 @@
           <a:bodyPr/>
           <a:lstStyle/>
           <a:p>
-            <a:fld id="{7232493E-2A5E-4590-A2A2-C338E01F8C80}" type="datetimeFigureOut">
+            <a:fld id="{F652B324-AF8D-4770-9AA7-0C5BE7C4843A}" type="datetimeFigureOut">
               <a:rPr lang="zh-CN" altLang="en-US" smtClean="0"/>
               <a:t>2024/3/10</a:t>
             </a:fld>
@@ -1821,7 +1821,7 @@
           <p:cNvPr id="8" name="页脚占位符 7">
             <a:extLst>
               <a:ext uri="{FF2B5EF4-FFF2-40B4-BE49-F238E27FC236}">
-                <a16:creationId xmlns:a16="http://schemas.microsoft.com/office/drawing/2014/main" id="{869277D8-87CB-58B0-0954-3BE0D4DA083B}"/>
+                <a16:creationId xmlns:a16="http://schemas.microsoft.com/office/drawing/2014/main" id="{40B46119-43AD-6B90-729B-C72BD4D4F113}"/>
               </a:ext>
             </a:extLst>
           </p:cNvPr>
@@ -1846,7 +1846,7 @@
           <p:cNvPr id="9" name="灯片编号占位符 8">
             <a:extLst>
               <a:ext uri="{FF2B5EF4-FFF2-40B4-BE49-F238E27FC236}">
-                <a16:creationId xmlns:a16="http://schemas.microsoft.com/office/drawing/2014/main" id="{DBE3322B-461A-C765-F8A5-CFF49AA16492}"/>
+                <a16:creationId xmlns:a16="http://schemas.microsoft.com/office/drawing/2014/main" id="{95CC214E-2266-6251-1E9D-EA182CEF7DF2}"/>
               </a:ext>
             </a:extLst>
           </p:cNvPr>
@@ -1862,7 +1862,7 @@
           <a:bodyPr/>
           <a:lstStyle/>
           <a:p>
-            <a:fld id="{DD0542A4-9237-41CE-9796-A2300F05D56E}" type="slidenum">
+            <a:fld id="{E5C522E4-B4A6-4357-BBA8-0DD2ED5ACDD6}" type="slidenum">
               <a:rPr lang="zh-CN" altLang="en-US" smtClean="0"/>
               <a:t>‹#›</a:t>
             </a:fld>
@@ -1873,7 +1873,7 @@
     </p:spTree>
     <p:extLst>
       <p:ext uri="{BB962C8B-B14F-4D97-AF65-F5344CB8AC3E}">
-        <p14:creationId xmlns:p14="http://schemas.microsoft.com/office/powerpoint/2010/main" val="2451549765"/>
+        <p14:creationId xmlns:p14="http://schemas.microsoft.com/office/powerpoint/2010/main" val="461409215"/>
       </p:ext>
     </p:extLst>
   </p:cSld>
@@ -1905,7 +1905,7 @@
           <p:cNvPr id="2" name="标题 1">
             <a:extLst>
               <a:ext uri="{FF2B5EF4-FFF2-40B4-BE49-F238E27FC236}">
-                <a16:creationId xmlns:a16="http://schemas.microsoft.com/office/drawing/2014/main" id="{01091B04-BE38-1C43-7A25-283349235D4C}"/>
+                <a16:creationId xmlns:a16="http://schemas.microsoft.com/office/drawing/2014/main" id="{90A1DCD7-E20C-EC4E-FA31-03931D09A5E2}"/>
               </a:ext>
             </a:extLst>
           </p:cNvPr>
@@ -1933,7 +1933,7 @@
           <p:cNvPr id="3" name="日期占位符 2">
             <a:extLst>
               <a:ext uri="{FF2B5EF4-FFF2-40B4-BE49-F238E27FC236}">
-                <a16:creationId xmlns:a16="http://schemas.microsoft.com/office/drawing/2014/main" id="{F75F43E6-0F85-737D-9A3F-FD5E6931D048}"/>
+                <a16:creationId xmlns:a16="http://schemas.microsoft.com/office/drawing/2014/main" id="{A736B040-F8FB-EB7F-CFD2-8234DA2C8B5F}"/>
               </a:ext>
             </a:extLst>
           </p:cNvPr>
@@ -1949,7 +1949,7 @@
           <a:bodyPr/>
           <a:lstStyle/>
           <a:p>
-            <a:fld id="{7232493E-2A5E-4590-A2A2-C338E01F8C80}" type="datetimeFigureOut">
+            <a:fld id="{F652B324-AF8D-4770-9AA7-0C5BE7C4843A}" type="datetimeFigureOut">
               <a:rPr lang="zh-CN" altLang="en-US" smtClean="0"/>
               <a:t>2024/3/10</a:t>
             </a:fld>
@@ -1962,7 +1962,7 @@
           <p:cNvPr id="4" name="页脚占位符 3">
             <a:extLst>
               <a:ext uri="{FF2B5EF4-FFF2-40B4-BE49-F238E27FC236}">
-                <a16:creationId xmlns:a16="http://schemas.microsoft.com/office/drawing/2014/main" id="{D4489048-DC2E-90AA-320E-882FC8CC322C}"/>
+                <a16:creationId xmlns:a16="http://schemas.microsoft.com/office/drawing/2014/main" id="{D579FFD4-C091-174B-6E03-86B1BF7BBAB1}"/>
               </a:ext>
             </a:extLst>
           </p:cNvPr>
@@ -1987,7 +1987,7 @@
           <p:cNvPr id="5" name="灯片编号占位符 4">
             <a:extLst>
               <a:ext uri="{FF2B5EF4-FFF2-40B4-BE49-F238E27FC236}">
-                <a16:creationId xmlns:a16="http://schemas.microsoft.com/office/drawing/2014/main" id="{B6C10BD9-BBE7-E845-5D0E-C603E27F254B}"/>
+                <a16:creationId xmlns:a16="http://schemas.microsoft.com/office/drawing/2014/main" id="{C8EAF1A5-EFD7-747A-1C6E-0C86C066BAB4}"/>
               </a:ext>
             </a:extLst>
           </p:cNvPr>
@@ -2003,7 +2003,7 @@
           <a:bodyPr/>
           <a:lstStyle/>
           <a:p>
-            <a:fld id="{DD0542A4-9237-41CE-9796-A2300F05D56E}" type="slidenum">
+            <a:fld id="{E5C522E4-B4A6-4357-BBA8-0DD2ED5ACDD6}" type="slidenum">
               <a:rPr lang="zh-CN" altLang="en-US" smtClean="0"/>
               <a:t>‹#›</a:t>
             </a:fld>
@@ -2014,7 +2014,7 @@
     </p:spTree>
     <p:extLst>
       <p:ext uri="{BB962C8B-B14F-4D97-AF65-F5344CB8AC3E}">
-        <p14:creationId xmlns:p14="http://schemas.microsoft.com/office/powerpoint/2010/main" val="1554482303"/>
+        <p14:creationId xmlns:p14="http://schemas.microsoft.com/office/powerpoint/2010/main" val="177341932"/>
       </p:ext>
     </p:extLst>
   </p:cSld>
@@ -2046,7 +2046,7 @@
           <p:cNvPr id="2" name="日期占位符 1">
             <a:extLst>
               <a:ext uri="{FF2B5EF4-FFF2-40B4-BE49-F238E27FC236}">
-                <a16:creationId xmlns:a16="http://schemas.microsoft.com/office/drawing/2014/main" id="{087A8E6C-840D-4BE8-284B-ED65A147523F}"/>
+                <a16:creationId xmlns:a16="http://schemas.microsoft.com/office/drawing/2014/main" id="{2364F0B7-1DA7-A3C5-E304-9ECBEF9636E1}"/>
               </a:ext>
             </a:extLst>
           </p:cNvPr>
@@ -2062,7 +2062,7 @@
           <a:bodyPr/>
           <a:lstStyle/>
           <a:p>
-            <a:fld id="{7232493E-2A5E-4590-A2A2-C338E01F8C80}" type="datetimeFigureOut">
+            <a:fld id="{F652B324-AF8D-4770-9AA7-0C5BE7C4843A}" type="datetimeFigureOut">
               <a:rPr lang="zh-CN" altLang="en-US" smtClean="0"/>
               <a:t>2024/3/10</a:t>
             </a:fld>
@@ -2075,7 +2075,7 @@
           <p:cNvPr id="3" name="页脚占位符 2">
             <a:extLst>
               <a:ext uri="{FF2B5EF4-FFF2-40B4-BE49-F238E27FC236}">
-                <a16:creationId xmlns:a16="http://schemas.microsoft.com/office/drawing/2014/main" id="{B1CFF76A-4213-626D-37CF-94C18AB155B7}"/>
+                <a16:creationId xmlns:a16="http://schemas.microsoft.com/office/drawing/2014/main" id="{065AE999-B9CF-0398-5452-A10B624D18CE}"/>
               </a:ext>
             </a:extLst>
           </p:cNvPr>
@@ -2100,7 +2100,7 @@
           <p:cNvPr id="4" name="灯片编号占位符 3">
             <a:extLst>
               <a:ext uri="{FF2B5EF4-FFF2-40B4-BE49-F238E27FC236}">
-                <a16:creationId xmlns:a16="http://schemas.microsoft.com/office/drawing/2014/main" id="{A526D85E-EEF0-94B6-D2BC-60A1691228AB}"/>
+                <a16:creationId xmlns:a16="http://schemas.microsoft.com/office/drawing/2014/main" id="{0C052763-B5BE-DC9F-0A4A-9863A5BF4F21}"/>
               </a:ext>
             </a:extLst>
           </p:cNvPr>
@@ -2116,7 +2116,7 @@
           <a:bodyPr/>
           <a:lstStyle/>
           <a:p>
-            <a:fld id="{DD0542A4-9237-41CE-9796-A2300F05D56E}" type="slidenum">
+            <a:fld id="{E5C522E4-B4A6-4357-BBA8-0DD2ED5ACDD6}" type="slidenum">
               <a:rPr lang="zh-CN" altLang="en-US" smtClean="0"/>
               <a:t>‹#›</a:t>
             </a:fld>
@@ -2127,7 +2127,7 @@
     </p:spTree>
     <p:extLst>
       <p:ext uri="{BB962C8B-B14F-4D97-AF65-F5344CB8AC3E}">
-        <p14:creationId xmlns:p14="http://schemas.microsoft.com/office/powerpoint/2010/main" val="608001076"/>
+        <p14:creationId xmlns:p14="http://schemas.microsoft.com/office/powerpoint/2010/main" val="3684325438"/>
       </p:ext>
     </p:extLst>
   </p:cSld>
@@ -2159,7 +2159,7 @@
           <p:cNvPr id="2" name="标题 1">
             <a:extLst>
               <a:ext uri="{FF2B5EF4-FFF2-40B4-BE49-F238E27FC236}">
-                <a16:creationId xmlns:a16="http://schemas.microsoft.com/office/drawing/2014/main" id="{7585DE35-78AF-0F74-5184-FECDE9B0E57B}"/>
+                <a16:creationId xmlns:a16="http://schemas.microsoft.com/office/drawing/2014/main" id="{6DE902F3-A315-A1F9-55ED-14D1E105664C}"/>
               </a:ext>
             </a:extLst>
           </p:cNvPr>
@@ -2196,7 +2196,7 @@
           <p:cNvPr id="3" name="内容占位符 2">
             <a:extLst>
               <a:ext uri="{FF2B5EF4-FFF2-40B4-BE49-F238E27FC236}">
-                <a16:creationId xmlns:a16="http://schemas.microsoft.com/office/drawing/2014/main" id="{BB1E1426-4458-3D9A-D411-1B87400EE85F}"/>
+                <a16:creationId xmlns:a16="http://schemas.microsoft.com/office/drawing/2014/main" id="{4A6A9100-02AB-6198-F350-6C49EF0916BF}"/>
               </a:ext>
             </a:extLst>
           </p:cNvPr>
@@ -2286,7 +2286,7 @@
           <p:cNvPr id="4" name="文本占位符 3">
             <a:extLst>
               <a:ext uri="{FF2B5EF4-FFF2-40B4-BE49-F238E27FC236}">
-                <a16:creationId xmlns:a16="http://schemas.microsoft.com/office/drawing/2014/main" id="{DBC2CC2B-5158-A196-1564-9735FA3F1936}"/>
+                <a16:creationId xmlns:a16="http://schemas.microsoft.com/office/drawing/2014/main" id="{E09D0EC2-510B-47EF-70F7-DA8C5646CCF1}"/>
               </a:ext>
             </a:extLst>
           </p:cNvPr>
@@ -2357,7 +2357,7 @@
           <p:cNvPr id="5" name="日期占位符 4">
             <a:extLst>
               <a:ext uri="{FF2B5EF4-FFF2-40B4-BE49-F238E27FC236}">
-                <a16:creationId xmlns:a16="http://schemas.microsoft.com/office/drawing/2014/main" id="{C31D803E-8C67-F060-3D4E-BDCEA1CFF6BF}"/>
+                <a16:creationId xmlns:a16="http://schemas.microsoft.com/office/drawing/2014/main" id="{84CC9744-EEE7-CC6A-CC33-49CCCFCAEE7D}"/>
               </a:ext>
             </a:extLst>
           </p:cNvPr>
@@ -2373,7 +2373,7 @@
           <a:bodyPr/>
           <a:lstStyle/>
           <a:p>
-            <a:fld id="{7232493E-2A5E-4590-A2A2-C338E01F8C80}" type="datetimeFigureOut">
+            <a:fld id="{F652B324-AF8D-4770-9AA7-0C5BE7C4843A}" type="datetimeFigureOut">
               <a:rPr lang="zh-CN" altLang="en-US" smtClean="0"/>
               <a:t>2024/3/10</a:t>
             </a:fld>
@@ -2386,7 +2386,7 @@
           <p:cNvPr id="6" name="页脚占位符 5">
             <a:extLst>
               <a:ext uri="{FF2B5EF4-FFF2-40B4-BE49-F238E27FC236}">
-                <a16:creationId xmlns:a16="http://schemas.microsoft.com/office/drawing/2014/main" id="{777CFB28-7ABA-2851-9DB8-E8C6664C2617}"/>
+                <a16:creationId xmlns:a16="http://schemas.microsoft.com/office/drawing/2014/main" id="{5191E4DE-E25E-DAA7-3DF4-313BB1B7BFB0}"/>
               </a:ext>
             </a:extLst>
           </p:cNvPr>
@@ -2411,7 +2411,7 @@
           <p:cNvPr id="7" name="灯片编号占位符 6">
             <a:extLst>
               <a:ext uri="{FF2B5EF4-FFF2-40B4-BE49-F238E27FC236}">
-                <a16:creationId xmlns:a16="http://schemas.microsoft.com/office/drawing/2014/main" id="{E1E451B4-A408-F6CD-5B8F-629376FAD986}"/>
+                <a16:creationId xmlns:a16="http://schemas.microsoft.com/office/drawing/2014/main" id="{393C808C-0EE7-9DBD-B6E8-31E70976DADF}"/>
               </a:ext>
             </a:extLst>
           </p:cNvPr>
@@ -2427,7 +2427,7 @@
           <a:bodyPr/>
           <a:lstStyle/>
           <a:p>
-            <a:fld id="{DD0542A4-9237-41CE-9796-A2300F05D56E}" type="slidenum">
+            <a:fld id="{E5C522E4-B4A6-4357-BBA8-0DD2ED5ACDD6}" type="slidenum">
               <a:rPr lang="zh-CN" altLang="en-US" smtClean="0"/>
               <a:t>‹#›</a:t>
             </a:fld>
@@ -2438,7 +2438,7 @@
     </p:spTree>
     <p:extLst>
       <p:ext uri="{BB962C8B-B14F-4D97-AF65-F5344CB8AC3E}">
-        <p14:creationId xmlns:p14="http://schemas.microsoft.com/office/powerpoint/2010/main" val="32850808"/>
+        <p14:creationId xmlns:p14="http://schemas.microsoft.com/office/powerpoint/2010/main" val="2572385829"/>
       </p:ext>
     </p:extLst>
   </p:cSld>
@@ -2470,7 +2470,7 @@
           <p:cNvPr id="2" name="标题 1">
             <a:extLst>
               <a:ext uri="{FF2B5EF4-FFF2-40B4-BE49-F238E27FC236}">
-                <a16:creationId xmlns:a16="http://schemas.microsoft.com/office/drawing/2014/main" id="{B9B9C3D0-B8F8-9593-33EF-A61980BA69A0}"/>
+                <a16:creationId xmlns:a16="http://schemas.microsoft.com/office/drawing/2014/main" id="{0E8F53D8-CA3A-A9DF-0EF3-9F335975D810}"/>
               </a:ext>
             </a:extLst>
           </p:cNvPr>
@@ -2507,7 +2507,7 @@
           <p:cNvPr id="3" name="图片占位符 2">
             <a:extLst>
               <a:ext uri="{FF2B5EF4-FFF2-40B4-BE49-F238E27FC236}">
-                <a16:creationId xmlns:a16="http://schemas.microsoft.com/office/drawing/2014/main" id="{C2C52F2C-EE95-DA3A-C9E8-B06DCA6E7332}"/>
+                <a16:creationId xmlns:a16="http://schemas.microsoft.com/office/drawing/2014/main" id="{0EF4ACD6-8445-01BC-3A4E-D214412C12D0}"/>
               </a:ext>
             </a:extLst>
           </p:cNvPr>
@@ -2574,7 +2574,7 @@
           <p:cNvPr id="4" name="文本占位符 3">
             <a:extLst>
               <a:ext uri="{FF2B5EF4-FFF2-40B4-BE49-F238E27FC236}">
-                <a16:creationId xmlns:a16="http://schemas.microsoft.com/office/drawing/2014/main" id="{660D1DF6-B909-FFCF-A7DA-E22DBA7A7FAC}"/>
+                <a16:creationId xmlns:a16="http://schemas.microsoft.com/office/drawing/2014/main" id="{82FCC3F3-EB50-E3C2-E1B0-EBDC639D7A65}"/>
               </a:ext>
             </a:extLst>
           </p:cNvPr>
@@ -2645,7 +2645,7 @@
           <p:cNvPr id="5" name="日期占位符 4">
             <a:extLst>
               <a:ext uri="{FF2B5EF4-FFF2-40B4-BE49-F238E27FC236}">
-                <a16:creationId xmlns:a16="http://schemas.microsoft.com/office/drawing/2014/main" id="{564C8E33-D11C-F34F-9D86-7E22F5A486D4}"/>
+                <a16:creationId xmlns:a16="http://schemas.microsoft.com/office/drawing/2014/main" id="{FBDEB7B0-6D74-3E3A-355C-9E8C796DB26A}"/>
               </a:ext>
             </a:extLst>
           </p:cNvPr>
@@ -2661,7 +2661,7 @@
           <a:bodyPr/>
           <a:lstStyle/>
           <a:p>
-            <a:fld id="{7232493E-2A5E-4590-A2A2-C338E01F8C80}" type="datetimeFigureOut">
+            <a:fld id="{F652B324-AF8D-4770-9AA7-0C5BE7C4843A}" type="datetimeFigureOut">
               <a:rPr lang="zh-CN" altLang="en-US" smtClean="0"/>
               <a:t>2024/3/10</a:t>
             </a:fld>
@@ -2674,7 +2674,7 @@
           <p:cNvPr id="6" name="页脚占位符 5">
             <a:extLst>
               <a:ext uri="{FF2B5EF4-FFF2-40B4-BE49-F238E27FC236}">
-                <a16:creationId xmlns:a16="http://schemas.microsoft.com/office/drawing/2014/main" id="{402824E1-8C09-D7C3-6655-94180D1B1C77}"/>
+                <a16:creationId xmlns:a16="http://schemas.microsoft.com/office/drawing/2014/main" id="{2D8D01F6-816D-0AE5-CC5B-DF31130FCAB9}"/>
               </a:ext>
             </a:extLst>
           </p:cNvPr>
@@ -2699,7 +2699,7 @@
           <p:cNvPr id="7" name="灯片编号占位符 6">
             <a:extLst>
               <a:ext uri="{FF2B5EF4-FFF2-40B4-BE49-F238E27FC236}">
-                <a16:creationId xmlns:a16="http://schemas.microsoft.com/office/drawing/2014/main" id="{9691FF26-02C3-8B3A-FEE0-F4B4C00DCAF3}"/>
+                <a16:creationId xmlns:a16="http://schemas.microsoft.com/office/drawing/2014/main" id="{1F252378-88A3-C2D1-6583-6F66B7334925}"/>
               </a:ext>
             </a:extLst>
           </p:cNvPr>
@@ -2715,7 +2715,7 @@
           <a:bodyPr/>
           <a:lstStyle/>
           <a:p>
-            <a:fld id="{DD0542A4-9237-41CE-9796-A2300F05D56E}" type="slidenum">
+            <a:fld id="{E5C522E4-B4A6-4357-BBA8-0DD2ED5ACDD6}" type="slidenum">
               <a:rPr lang="zh-CN" altLang="en-US" smtClean="0"/>
               <a:t>‹#›</a:t>
             </a:fld>
@@ -2726,7 +2726,7 @@
     </p:spTree>
     <p:extLst>
       <p:ext uri="{BB962C8B-B14F-4D97-AF65-F5344CB8AC3E}">
-        <p14:creationId xmlns:p14="http://schemas.microsoft.com/office/powerpoint/2010/main" val="1109691025"/>
+        <p14:creationId xmlns:p14="http://schemas.microsoft.com/office/powerpoint/2010/main" val="2577179207"/>
       </p:ext>
     </p:extLst>
   </p:cSld>
@@ -2763,7 +2763,7 @@
           <p:cNvPr id="2" name="标题占位符 1">
             <a:extLst>
               <a:ext uri="{FF2B5EF4-FFF2-40B4-BE49-F238E27FC236}">
-                <a16:creationId xmlns:a16="http://schemas.microsoft.com/office/drawing/2014/main" id="{545ABDCB-59FA-8414-AC80-A0ADC6F60A65}"/>
+                <a16:creationId xmlns:a16="http://schemas.microsoft.com/office/drawing/2014/main" id="{4D210642-BBC9-DA1F-E42A-9F1D0043CCD9}"/>
               </a:ext>
             </a:extLst>
           </p:cNvPr>
@@ -2801,7 +2801,7 @@
           <p:cNvPr id="3" name="文本占位符 2">
             <a:extLst>
               <a:ext uri="{FF2B5EF4-FFF2-40B4-BE49-F238E27FC236}">
-                <a16:creationId xmlns:a16="http://schemas.microsoft.com/office/drawing/2014/main" id="{5E95FC88-7859-EC95-270A-EA8F6774E3D2}"/>
+                <a16:creationId xmlns:a16="http://schemas.microsoft.com/office/drawing/2014/main" id="{F6D8AA1E-0B22-02CB-28C9-9551C3E27C88}"/>
               </a:ext>
             </a:extLst>
           </p:cNvPr>
@@ -2868,7 +2868,7 @@
           <p:cNvPr id="4" name="日期占位符 3">
             <a:extLst>
               <a:ext uri="{FF2B5EF4-FFF2-40B4-BE49-F238E27FC236}">
-                <a16:creationId xmlns:a16="http://schemas.microsoft.com/office/drawing/2014/main" id="{8D5EDB78-6F52-8AED-231C-E57E02B5901A}"/>
+                <a16:creationId xmlns:a16="http://schemas.microsoft.com/office/drawing/2014/main" id="{4B92F03D-ADF1-8655-7AC4-80035F0B5FC1}"/>
               </a:ext>
             </a:extLst>
           </p:cNvPr>
@@ -2902,7 +2902,7 @@
             </a:lvl1pPr>
           </a:lstStyle>
           <a:p>
-            <a:fld id="{7232493E-2A5E-4590-A2A2-C338E01F8C80}" type="datetimeFigureOut">
+            <a:fld id="{F652B324-AF8D-4770-9AA7-0C5BE7C4843A}" type="datetimeFigureOut">
               <a:rPr lang="zh-CN" altLang="en-US" smtClean="0"/>
               <a:t>2024/3/10</a:t>
             </a:fld>
@@ -2915,7 +2915,7 @@
           <p:cNvPr id="5" name="页脚占位符 4">
             <a:extLst>
               <a:ext uri="{FF2B5EF4-FFF2-40B4-BE49-F238E27FC236}">
-                <a16:creationId xmlns:a16="http://schemas.microsoft.com/office/drawing/2014/main" id="{C4A35C49-1ED1-22EA-CD83-95AA8AD31A59}"/>
+                <a16:creationId xmlns:a16="http://schemas.microsoft.com/office/drawing/2014/main" id="{FF4E8099-F675-E891-98C0-44FF2A5BBDD2}"/>
               </a:ext>
             </a:extLst>
           </p:cNvPr>
@@ -2958,7 +2958,7 @@
           <p:cNvPr id="6" name="灯片编号占位符 5">
             <a:extLst>
               <a:ext uri="{FF2B5EF4-FFF2-40B4-BE49-F238E27FC236}">
-                <a16:creationId xmlns:a16="http://schemas.microsoft.com/office/drawing/2014/main" id="{A222AE3F-95A2-EDB7-669E-E33E1294CD3C}"/>
+                <a16:creationId xmlns:a16="http://schemas.microsoft.com/office/drawing/2014/main" id="{1F125BF1-57AE-07C5-444E-531D50E40DB1}"/>
               </a:ext>
             </a:extLst>
           </p:cNvPr>
@@ -2992,7 +2992,7 @@
             </a:lvl1pPr>
           </a:lstStyle>
           <a:p>
-            <a:fld id="{DD0542A4-9237-41CE-9796-A2300F05D56E}" type="slidenum">
+            <a:fld id="{E5C522E4-B4A6-4357-BBA8-0DD2ED5ACDD6}" type="slidenum">
               <a:rPr lang="zh-CN" altLang="en-US" smtClean="0"/>
               <a:t>‹#›</a:t>
             </a:fld>
@@ -3003,7 +3003,7 @@
     </p:spTree>
     <p:extLst>
       <p:ext uri="{BB962C8B-B14F-4D97-AF65-F5344CB8AC3E}">
-        <p14:creationId xmlns:p14="http://schemas.microsoft.com/office/powerpoint/2010/main" val="19147058"/>
+        <p14:creationId xmlns:p14="http://schemas.microsoft.com/office/powerpoint/2010/main" val="1194697357"/>
       </p:ext>
     </p:extLst>
   </p:cSld>
